--- a/FeB/ProektNew/2021/November21/Docs/Додаток_10.pptx
+++ b/FeB/ProektNew/2021/November21/Docs/Додаток_10.pptx
@@ -14,14 +14,14 @@
   <p:notesSz cx="6858000" cy="9144000"/>
   <p:embeddedFontLst>
     <p:embeddedFont>
-      <p:font typeface="Helvetica Neue" panose="020B0604020202020204" charset="0"/>
+      <p:font typeface="Helvetica Neue Light" charset="0"/>
       <p:regular r:id="rId4"/>
       <p:bold r:id="rId5"/>
       <p:italic r:id="rId6"/>
       <p:boldItalic r:id="rId7"/>
     </p:embeddedFont>
     <p:embeddedFont>
-      <p:font typeface="Helvetica Neue Light" panose="020B0604020202020204" charset="0"/>
+      <p:font typeface="Helvetica Neue" charset="0"/>
       <p:regular r:id="rId8"/>
       <p:bold r:id="rId9"/>
       <p:italic r:id="rId10"/>
@@ -259,7 +259,7 @@
   </p:defaultTextStyle>
   <p:extLst>
     <p:ext uri="{EFAFB233-063F-42B5-8137-9DF3F51BA10A}">
-      <p15:sldGuideLst xmlns:p15="http://schemas.microsoft.com/office/powerpoint/2012/main">
+      <p15:sldGuideLst xmlns:p15="http://schemas.microsoft.com/office/powerpoint/2012/main" xmlns="">
         <p15:guide id="1" orient="horz" pos="3072">
           <p15:clr>
             <a:srgbClr val="A4A3A4"/>
@@ -567,7 +567,7 @@
     </p:spTree>
     <p:extLst>
       <p:ext uri="{BB962C8B-B14F-4D97-AF65-F5344CB8AC3E}">
-        <p14:creationId xmlns:p14="http://schemas.microsoft.com/office/powerpoint/2010/main" val="3298644994"/>
+        <p14:creationId xmlns:p14="http://schemas.microsoft.com/office/powerpoint/2010/main" xmlns="" val="3298644994"/>
       </p:ext>
     </p:extLst>
   </p:cSld>
@@ -1466,6 +1466,15 @@
             </a:pPr>
             <a:fld id="{00000000-1234-1234-1234-123412341234}" type="slidenum">
               <a:rPr lang="uk-UA"/>
+              <a:pPr marL="0" lvl="0" indent="0" algn="ctr" rtl="0">
+                <a:spcBef>
+                  <a:spcPts val="0"/>
+                </a:spcBef>
+                <a:spcAft>
+                  <a:spcPts val="0"/>
+                </a:spcAft>
+                <a:buNone/>
+              </a:pPr>
               <a:t>‹#›</a:t>
             </a:fld>
             <a:endParaRPr/>
@@ -2142,6 +2151,15 @@
             </a:pPr>
             <a:fld id="{00000000-1234-1234-1234-123412341234}" type="slidenum">
               <a:rPr lang="uk-UA"/>
+              <a:pPr marL="0" lvl="0" indent="0" algn="ctr" rtl="0">
+                <a:spcBef>
+                  <a:spcPts val="0"/>
+                </a:spcBef>
+                <a:spcAft>
+                  <a:spcPts val="0"/>
+                </a:spcAft>
+                <a:buNone/>
+              </a:pPr>
               <a:t>‹#›</a:t>
             </a:fld>
             <a:endParaRPr/>
@@ -3535,6 +3553,15 @@
             </a:pPr>
             <a:fld id="{00000000-1234-1234-1234-123412341234}" type="slidenum">
               <a:rPr lang="uk-UA"/>
+              <a:pPr marL="0" lvl="0" indent="0" algn="ctr" rtl="0">
+                <a:spcBef>
+                  <a:spcPts val="0"/>
+                </a:spcBef>
+                <a:spcAft>
+                  <a:spcPts val="0"/>
+                </a:spcAft>
+                <a:buNone/>
+              </a:pPr>
               <a:t>‹#›</a:t>
             </a:fld>
             <a:endParaRPr/>
@@ -4450,6 +4477,15 @@
             </a:pPr>
             <a:fld id="{00000000-1234-1234-1234-123412341234}" type="slidenum">
               <a:rPr lang="uk-UA"/>
+              <a:pPr marL="0" lvl="0" indent="0" algn="ctr" rtl="0">
+                <a:spcBef>
+                  <a:spcPts val="0"/>
+                </a:spcBef>
+                <a:spcAft>
+                  <a:spcPts val="0"/>
+                </a:spcAft>
+                <a:buNone/>
+              </a:pPr>
               <a:t>‹#›</a:t>
             </a:fld>
             <a:endParaRPr/>
@@ -5365,6 +5401,15 @@
             </a:pPr>
             <a:fld id="{00000000-1234-1234-1234-123412341234}" type="slidenum">
               <a:rPr lang="uk-UA"/>
+              <a:pPr marL="0" lvl="0" indent="0" algn="ctr" rtl="0">
+                <a:spcBef>
+                  <a:spcPts val="0"/>
+                </a:spcBef>
+                <a:spcAft>
+                  <a:spcPts val="0"/>
+                </a:spcAft>
+                <a:buNone/>
+              </a:pPr>
               <a:t>‹#›</a:t>
             </a:fld>
             <a:endParaRPr/>
@@ -6041,6 +6086,15 @@
             </a:pPr>
             <a:fld id="{00000000-1234-1234-1234-123412341234}" type="slidenum">
               <a:rPr lang="uk-UA"/>
+              <a:pPr marL="0" lvl="0" indent="0" algn="ctr" rtl="0">
+                <a:spcBef>
+                  <a:spcPts val="0"/>
+                </a:spcBef>
+                <a:spcAft>
+                  <a:spcPts val="0"/>
+                </a:spcAft>
+                <a:buNone/>
+              </a:pPr>
               <a:t>‹#›</a:t>
             </a:fld>
             <a:endParaRPr/>
@@ -6717,6 +6771,15 @@
             </a:pPr>
             <a:fld id="{00000000-1234-1234-1234-123412341234}" type="slidenum">
               <a:rPr lang="uk-UA"/>
+              <a:pPr marL="0" lvl="0" indent="0" algn="ctr" rtl="0">
+                <a:spcBef>
+                  <a:spcPts val="0"/>
+                </a:spcBef>
+                <a:spcAft>
+                  <a:spcPts val="0"/>
+                </a:spcAft>
+                <a:buNone/>
+              </a:pPr>
               <a:t>‹#›</a:t>
             </a:fld>
             <a:endParaRPr/>
@@ -6992,6 +7055,15 @@
             </a:pPr>
             <a:fld id="{00000000-1234-1234-1234-123412341234}" type="slidenum">
               <a:rPr lang="uk-UA"/>
+              <a:pPr marL="0" lvl="0" indent="0" algn="ctr" rtl="0">
+                <a:spcBef>
+                  <a:spcPts val="0"/>
+                </a:spcBef>
+                <a:spcAft>
+                  <a:spcPts val="0"/>
+                </a:spcAft>
+                <a:buNone/>
+              </a:pPr>
               <a:t>‹#›</a:t>
             </a:fld>
             <a:endParaRPr/>
@@ -7729,14 +7801,14 @@
           <p:nvPr>
             <p:extLst>
               <p:ext uri="{D42A27DB-BD31-4B8C-83A1-F6EECF244321}">
-                <p14:modId xmlns:p14="http://schemas.microsoft.com/office/powerpoint/2010/main" val="979191941"/>
+                <p14:modId xmlns:p14="http://schemas.microsoft.com/office/powerpoint/2010/main" xmlns="" val="979191941"/>
               </p:ext>
             </p:extLst>
           </p:nvPr>
         </p:nvGraphicFramePr>
         <p:xfrm>
           <a:off x="3678657" y="2128499"/>
-          <a:ext cx="8958045" cy="2886860"/>
+          <a:ext cx="8958045" cy="5280032"/>
         </p:xfrm>
         <a:graphic>
           <a:graphicData uri="http://schemas.openxmlformats.org/drawingml/2006/table">
@@ -7748,14 +7820,14 @@
                 <a:gridCol w="4306094">
                   <a:extLst>
                     <a:ext uri="{9D8B030D-6E8A-4147-A177-3AD203B41FA5}">
-                      <a16:colId xmlns:a16="http://schemas.microsoft.com/office/drawing/2014/main" val="20000"/>
+                      <a16:colId xmlns:a16="http://schemas.microsoft.com/office/drawing/2014/main" xmlns="" val="20000"/>
                     </a:ext>
                   </a:extLst>
                 </a:gridCol>
                 <a:gridCol w="4651951">
                   <a:extLst>
                     <a:ext uri="{9D8B030D-6E8A-4147-A177-3AD203B41FA5}">
-                      <a16:colId xmlns:a16="http://schemas.microsoft.com/office/drawing/2014/main" val="20001"/>
+                      <a16:colId xmlns:a16="http://schemas.microsoft.com/office/drawing/2014/main" xmlns="" val="20001"/>
                     </a:ext>
                   </a:extLst>
                 </a:gridCol>
@@ -7857,7 +7929,7 @@
                 </a:tc>
                 <a:extLst>
                   <a:ext uri="{0D108BD9-81ED-4DB2-BD59-A6C34878D82A}">
-                    <a16:rowId xmlns:a16="http://schemas.microsoft.com/office/drawing/2014/main" val="10000"/>
+                    <a16:rowId xmlns:a16="http://schemas.microsoft.com/office/drawing/2014/main" xmlns="" val="10000"/>
                   </a:ext>
                 </a:extLst>
               </a:tr>
@@ -7879,6 +7951,27 @@
                         </a:rPr>
                         <a:t>1. </a:t>
                       </a:r>
+                      <a:r>
+                        <a:rPr lang="uk-UA" sz="1400" b="0" i="0" u="none" strike="noStrike" cap="none" dirty="0" smtClean="0">
+                          <a:solidFill>
+                            <a:schemeClr val="tx1"/>
+                          </a:solidFill>
+                          <a:latin typeface="+mn-lt"/>
+                          <a:ea typeface="+mn-ea"/>
+                          <a:cs typeface="+mn-cs"/>
+                          <a:sym typeface="Arial"/>
+                        </a:rPr>
+                        <a:t>Експериментальний стенд для оцінювання кінетичних характеристик перебудови дефектів у бар’єрних структурах в умовах ультразвукового навантаження</a:t>
+                      </a:r>
+                      <a:endParaRPr lang="uk-UA" sz="1600" kern="1200" noProof="0" dirty="0">
+                        <a:solidFill>
+                          <a:schemeClr val="tx1"/>
+                        </a:solidFill>
+                        <a:effectLst/>
+                        <a:latin typeface="+mn-lt"/>
+                        <a:ea typeface="+mn-ea"/>
+                        <a:cs typeface="+mn-cs"/>
+                      </a:endParaRPr>
                     </a:p>
                     <a:p>
                       <a:pPr marL="0" marR="0" lvl="0" indent="0" algn="l" defTabSz="642915" rtl="0" eaLnBrk="1" fontAlgn="auto" latinLnBrk="0" hangingPunct="1">
@@ -7910,6 +8003,75 @@
                         </a:rPr>
                         <a:t>2. </a:t>
                       </a:r>
+                      <a:r>
+                        <a:rPr lang="uk-UA" sz="1400" b="0" i="0" u="none" strike="noStrike" cap="none" dirty="0" smtClean="0">
+                          <a:solidFill>
+                            <a:schemeClr val="tx1"/>
+                          </a:solidFill>
+                          <a:latin typeface="+mn-lt"/>
+                          <a:ea typeface="+mn-ea"/>
+                          <a:cs typeface="+mn-cs"/>
+                          <a:sym typeface="Arial"/>
+                        </a:rPr>
+                        <a:t>встановлення кількісних параметрів впливу світло-індукованого розпаду пар </a:t>
+                      </a:r>
+                      <a:r>
+                        <a:rPr lang="en-US" sz="1400" b="0" i="0" u="none" strike="noStrike" cap="none" dirty="0" smtClean="0">
+                          <a:solidFill>
+                            <a:schemeClr val="tx1"/>
+                          </a:solidFill>
+                          <a:latin typeface="+mn-lt"/>
+                          <a:ea typeface="+mn-ea"/>
+                          <a:cs typeface="+mn-cs"/>
+                          <a:sym typeface="Arial"/>
+                        </a:rPr>
+                        <a:t>Fe</a:t>
+                      </a:r>
+                      <a:r>
+                        <a:rPr lang="uk-UA" sz="1400" b="0" i="0" u="none" strike="noStrike" cap="none" dirty="0" smtClean="0">
+                          <a:solidFill>
+                            <a:schemeClr val="tx1"/>
+                          </a:solidFill>
+                          <a:latin typeface="+mn-lt"/>
+                          <a:ea typeface="+mn-ea"/>
+                          <a:cs typeface="+mn-cs"/>
+                          <a:sym typeface="Arial"/>
+                        </a:rPr>
+                        <a:t>-</a:t>
+                      </a:r>
+                      <a:r>
+                        <a:rPr lang="en-US" sz="1400" b="0" i="0" u="none" strike="noStrike" cap="none" dirty="0" smtClean="0">
+                          <a:solidFill>
+                            <a:schemeClr val="tx1"/>
+                          </a:solidFill>
+                          <a:latin typeface="+mn-lt"/>
+                          <a:ea typeface="+mn-ea"/>
+                          <a:cs typeface="+mn-cs"/>
+                          <a:sym typeface="Arial"/>
+                        </a:rPr>
+                        <a:t>B</a:t>
+                      </a:r>
+                      <a:r>
+                        <a:rPr lang="uk-UA" sz="1400" b="0" i="0" u="none" strike="noStrike" cap="none" dirty="0" smtClean="0">
+                          <a:solidFill>
+                            <a:schemeClr val="tx1"/>
+                          </a:solidFill>
+                          <a:latin typeface="+mn-lt"/>
+                          <a:ea typeface="+mn-ea"/>
+                          <a:cs typeface="+mn-cs"/>
+                          <a:sym typeface="Arial"/>
+                        </a:rPr>
+                        <a:t> на параметри вольт-амперних характеристик кремнієвих сонячних елементів (КСЕ)</a:t>
+                      </a:r>
+                      <a:endParaRPr lang="uk-UA" sz="1600" kern="1200" noProof="0" dirty="0">
+                        <a:solidFill>
+                          <a:schemeClr val="tx1"/>
+                        </a:solidFill>
+                        <a:effectLst/>
+                        <a:latin typeface="+mn-lt"/>
+                        <a:ea typeface="+mn-ea"/>
+                        <a:cs typeface="+mn-cs"/>
+                      </a:endParaRPr>
                     </a:p>
                     <a:p>
                       <a:r>
@@ -7924,6 +8086,382 @@
                         </a:rPr>
                         <a:t>3. </a:t>
                       </a:r>
+                      <a:r>
+                        <a:rPr lang="uk-UA" sz="1400" b="0" i="0" u="none" strike="noStrike" cap="none" dirty="0" smtClean="0">
+                          <a:solidFill>
+                            <a:schemeClr val="tx1"/>
+                          </a:solidFill>
+                          <a:latin typeface="+mn-lt"/>
+                          <a:ea typeface="+mn-ea"/>
+                          <a:cs typeface="+mn-cs"/>
+                          <a:sym typeface="Arial"/>
+                        </a:rPr>
+                        <a:t>з’ясовані фізичні закономірності та механізми взаємодії дефектних комплексів, пов’язаних із атомами перехідних металів, у КСЕ з повздовжніми та поперечними пружними хвилями ультразвукового діапазону</a:t>
+                      </a:r>
+                      <a:r>
+                        <a:rPr lang="en-US" sz="1400" b="0" i="0" u="none" strike="noStrike" cap="none" dirty="0" smtClean="0">
+                          <a:solidFill>
+                            <a:schemeClr val="tx1"/>
+                          </a:solidFill>
+                          <a:latin typeface="+mn-lt"/>
+                          <a:ea typeface="+mn-ea"/>
+                          <a:cs typeface="+mn-cs"/>
+                          <a:sym typeface="Arial"/>
+                        </a:rPr>
+                        <a:t>.</a:t>
+                      </a:r>
+                    </a:p>
+                    <a:p>
+                      <a:r>
+                        <a:rPr lang="en-US" sz="1400" b="0" i="0" u="none" strike="noStrike" kern="1200" cap="none" noProof="0" dirty="0" smtClean="0">
+                          <a:solidFill>
+                            <a:schemeClr val="tx1"/>
+                          </a:solidFill>
+                          <a:effectLst/>
+                          <a:latin typeface="+mn-lt"/>
+                          <a:ea typeface="+mn-ea"/>
+                          <a:cs typeface="+mn-cs"/>
+                          <a:sym typeface="Arial"/>
+                        </a:rPr>
+                        <a:t>4.</a:t>
+                      </a:r>
+                      <a:r>
+                        <a:rPr lang="uk-UA" sz="1400" b="0" i="0" u="none" strike="noStrike" cap="none" dirty="0" smtClean="0">
+                          <a:solidFill>
+                            <a:schemeClr val="tx1"/>
+                          </a:solidFill>
+                          <a:latin typeface="+mn-lt"/>
+                          <a:ea typeface="+mn-ea"/>
+                          <a:cs typeface="+mn-cs"/>
+                          <a:sym typeface="Arial"/>
+                        </a:rPr>
+                        <a:t> масив даних розрахованих величин фактору неідеальності для кремнієвих структур </a:t>
+                      </a:r>
+                      <a:r>
+                        <a:rPr lang="uk-UA" sz="1400" b="0" i="1" u="none" strike="noStrike" cap="none" dirty="0" smtClean="0">
+                          <a:solidFill>
+                            <a:schemeClr val="tx1"/>
+                          </a:solidFill>
+                          <a:latin typeface="+mn-lt"/>
+                          <a:ea typeface="+mn-ea"/>
+                          <a:cs typeface="+mn-cs"/>
+                          <a:sym typeface="Arial"/>
+                        </a:rPr>
+                        <a:t>n</a:t>
+                      </a:r>
+                      <a:r>
+                        <a:rPr lang="uk-UA" sz="1400" b="0" i="0" u="none" strike="noStrike" cap="none" baseline="30000" dirty="0" smtClean="0">
+                          <a:solidFill>
+                            <a:schemeClr val="tx1"/>
+                          </a:solidFill>
+                          <a:latin typeface="+mn-lt"/>
+                          <a:ea typeface="+mn-ea"/>
+                          <a:cs typeface="+mn-cs"/>
+                          <a:sym typeface="Arial"/>
+                        </a:rPr>
+                        <a:t>+</a:t>
+                      </a:r>
+                      <a:r>
+                        <a:rPr lang="uk-UA" sz="1400" b="0" i="0" u="none" strike="noStrike" cap="none" dirty="0" smtClean="0">
+                          <a:solidFill>
+                            <a:schemeClr val="tx1"/>
+                          </a:solidFill>
+                          <a:latin typeface="+mn-lt"/>
+                          <a:ea typeface="+mn-ea"/>
+                          <a:cs typeface="+mn-cs"/>
+                          <a:sym typeface="Arial"/>
+                        </a:rPr>
+                        <a:t>-</a:t>
+                      </a:r>
+                      <a:r>
+                        <a:rPr lang="uk-UA" sz="1400" b="0" i="1" u="none" strike="noStrike" cap="none" dirty="0" smtClean="0">
+                          <a:solidFill>
+                            <a:schemeClr val="tx1"/>
+                          </a:solidFill>
+                          <a:latin typeface="+mn-lt"/>
+                          <a:ea typeface="+mn-ea"/>
+                          <a:cs typeface="+mn-cs"/>
+                          <a:sym typeface="Arial"/>
+                        </a:rPr>
+                        <a:t>p</a:t>
+                      </a:r>
+                      <a:r>
+                        <a:rPr lang="uk-UA" sz="1400" b="0" i="0" u="none" strike="noStrike" cap="none" dirty="0" smtClean="0">
+                          <a:solidFill>
+                            <a:schemeClr val="tx1"/>
+                          </a:solidFill>
+                          <a:latin typeface="+mn-lt"/>
+                          <a:ea typeface="+mn-ea"/>
+                          <a:cs typeface="+mn-cs"/>
+                          <a:sym typeface="Arial"/>
+                        </a:rPr>
+                        <a:t>-</a:t>
+                      </a:r>
+                      <a:r>
+                        <a:rPr lang="uk-UA" sz="1400" b="0" i="1" u="none" strike="noStrike" cap="none" dirty="0" smtClean="0">
+                          <a:solidFill>
+                            <a:schemeClr val="tx1"/>
+                          </a:solidFill>
+                          <a:latin typeface="+mn-lt"/>
+                          <a:ea typeface="+mn-ea"/>
+                          <a:cs typeface="+mn-cs"/>
+                          <a:sym typeface="Arial"/>
+                        </a:rPr>
+                        <a:t>p</a:t>
+                      </a:r>
+                      <a:r>
+                        <a:rPr lang="uk-UA" sz="1400" b="0" i="0" u="none" strike="noStrike" cap="none" baseline="30000" dirty="0" smtClean="0">
+                          <a:solidFill>
+                            <a:schemeClr val="tx1"/>
+                          </a:solidFill>
+                          <a:latin typeface="+mn-lt"/>
+                          <a:ea typeface="+mn-ea"/>
+                          <a:cs typeface="+mn-cs"/>
+                          <a:sym typeface="Arial"/>
+                        </a:rPr>
+                        <a:t>+</a:t>
+                      </a:r>
+                      <a:r>
+                        <a:rPr lang="uk-UA" sz="1400" b="0" i="0" u="none" strike="noStrike" cap="none" dirty="0" smtClean="0">
+                          <a:solidFill>
+                            <a:schemeClr val="tx1"/>
+                          </a:solidFill>
+                          <a:latin typeface="+mn-lt"/>
+                          <a:ea typeface="+mn-ea"/>
+                          <a:cs typeface="+mn-cs"/>
+                          <a:sym typeface="Arial"/>
+                        </a:rPr>
+                        <a:t> з різними геометричними та електрофізичними характеристиками</a:t>
+                      </a:r>
+                      <a:endParaRPr lang="en-US" sz="1400" b="0" i="0" u="none" strike="noStrike" cap="none" dirty="0" smtClean="0">
+                        <a:solidFill>
+                          <a:schemeClr val="tx1"/>
+                        </a:solidFill>
+                        <a:latin typeface="+mn-lt"/>
+                        <a:ea typeface="+mn-ea"/>
+                        <a:cs typeface="+mn-cs"/>
+                        <a:sym typeface="Arial"/>
+                      </a:endParaRPr>
+                    </a:p>
+                    <a:p>
+                      <a:r>
+                        <a:rPr lang="en-US" sz="1400" b="0" i="0" u="none" strike="noStrike" kern="1200" cap="none" noProof="0" dirty="0" smtClean="0">
+                          <a:solidFill>
+                            <a:schemeClr val="tx1"/>
+                          </a:solidFill>
+                          <a:effectLst/>
+                          <a:latin typeface="+mn-lt"/>
+                          <a:ea typeface="+mn-ea"/>
+                          <a:cs typeface="+mn-cs"/>
+                          <a:sym typeface="Arial"/>
+                        </a:rPr>
+                        <a:t>5.</a:t>
+                      </a:r>
+                      <a:r>
+                        <a:rPr lang="en-US" sz="1400" b="0" i="0" u="none" strike="noStrike" kern="1200" cap="none" baseline="0" noProof="0" dirty="0" smtClean="0">
+                          <a:solidFill>
+                            <a:schemeClr val="tx1"/>
+                          </a:solidFill>
+                          <a:effectLst/>
+                          <a:latin typeface="+mn-lt"/>
+                          <a:ea typeface="+mn-ea"/>
+                          <a:cs typeface="+mn-cs"/>
+                          <a:sym typeface="Arial"/>
+                        </a:rPr>
+                        <a:t> </a:t>
+                      </a:r>
+                      <a:r>
+                        <a:rPr lang="uk-UA" sz="1400" b="0" i="0" u="none" strike="noStrike" cap="none" dirty="0" smtClean="0">
+                          <a:solidFill>
+                            <a:schemeClr val="tx1"/>
+                          </a:solidFill>
+                          <a:latin typeface="+mn-lt"/>
+                          <a:ea typeface="+mn-ea"/>
+                          <a:cs typeface="+mn-cs"/>
+                          <a:sym typeface="Arial"/>
+                        </a:rPr>
+                        <a:t>програмне забезпечення для реалізації </a:t>
+                      </a:r>
+                      <a:r>
+                        <a:rPr lang="uk-UA" sz="1400" b="0" i="0" u="none" strike="noStrike" cap="none" dirty="0" err="1" smtClean="0">
+                          <a:solidFill>
+                            <a:schemeClr val="tx1"/>
+                          </a:solidFill>
+                          <a:latin typeface="+mn-lt"/>
+                          <a:ea typeface="+mn-ea"/>
+                          <a:cs typeface="+mn-cs"/>
+                          <a:sym typeface="Arial"/>
+                        </a:rPr>
+                        <a:t>мета-еврістичного</a:t>
+                      </a:r>
+                      <a:r>
+                        <a:rPr lang="uk-UA" sz="1400" b="0" i="0" u="none" strike="noStrike" cap="none" dirty="0" smtClean="0">
+                          <a:solidFill>
+                            <a:schemeClr val="tx1"/>
+                          </a:solidFill>
+                          <a:latin typeface="+mn-lt"/>
+                          <a:ea typeface="+mn-ea"/>
+                          <a:cs typeface="+mn-cs"/>
+                          <a:sym typeface="Arial"/>
+                        </a:rPr>
+                        <a:t> методу </a:t>
+                      </a:r>
+                      <a:r>
+                        <a:rPr lang="uk-UA" sz="1400" b="0" i="0" u="none" strike="noStrike" cap="none" dirty="0" err="1" smtClean="0">
+                          <a:solidFill>
+                            <a:schemeClr val="tx1"/>
+                          </a:solidFill>
+                          <a:latin typeface="+mn-lt"/>
+                          <a:ea typeface="+mn-ea"/>
+                          <a:cs typeface="+mn-cs"/>
+                          <a:sym typeface="Arial"/>
+                        </a:rPr>
+                        <a:t>Jaya</a:t>
+                      </a:r>
+                      <a:r>
+                        <a:rPr lang="en-US" sz="1400" b="0" i="0" u="none" strike="noStrike" cap="none" dirty="0" smtClean="0">
+                          <a:solidFill>
+                            <a:schemeClr val="tx1"/>
+                          </a:solidFill>
+                          <a:latin typeface="+mn-lt"/>
+                          <a:ea typeface="+mn-ea"/>
+                          <a:cs typeface="+mn-cs"/>
+                          <a:sym typeface="Arial"/>
+                        </a:rPr>
+                        <a:t>;</a:t>
+                      </a:r>
+                    </a:p>
+                    <a:p>
+                      <a:r>
+                        <a:rPr lang="en-US" sz="1400" b="0" i="0" u="none" strike="noStrike" kern="1200" cap="none" noProof="0" dirty="0" smtClean="0">
+                          <a:solidFill>
+                            <a:schemeClr val="tx1"/>
+                          </a:solidFill>
+                          <a:effectLst/>
+                          <a:latin typeface="+mn-lt"/>
+                          <a:ea typeface="+mn-ea"/>
+                          <a:cs typeface="+mn-cs"/>
+                          <a:sym typeface="Arial"/>
+                        </a:rPr>
+                        <a:t>6.</a:t>
+                      </a:r>
+                      <a:r>
+                        <a:rPr lang="uk-UA" sz="1400" b="0" i="0" u="none" strike="noStrike" cap="none" dirty="0" smtClean="0">
+                          <a:solidFill>
+                            <a:schemeClr val="tx1"/>
+                          </a:solidFill>
+                          <a:latin typeface="+mn-lt"/>
+                          <a:ea typeface="+mn-ea"/>
+                          <a:cs typeface="+mn-cs"/>
+                          <a:sym typeface="Arial"/>
+                        </a:rPr>
+                        <a:t> налаштована штучна нейронної мережа для оцінки концентрації атомів заліза в кремнієвих </a:t>
+                      </a:r>
+                      <a:r>
+                        <a:rPr lang="uk-UA" sz="1400" b="0" i="1" u="none" strike="noStrike" cap="none" dirty="0" smtClean="0">
+                          <a:solidFill>
+                            <a:schemeClr val="tx1"/>
+                          </a:solidFill>
+                          <a:latin typeface="+mn-lt"/>
+                          <a:ea typeface="+mn-ea"/>
+                          <a:cs typeface="+mn-cs"/>
+                          <a:sym typeface="Arial"/>
+                        </a:rPr>
+                        <a:t>n</a:t>
+                      </a:r>
+                      <a:r>
+                        <a:rPr lang="uk-UA" sz="1400" b="0" i="0" u="none" strike="noStrike" cap="none" baseline="30000" dirty="0" smtClean="0">
+                          <a:solidFill>
+                            <a:schemeClr val="tx1"/>
+                          </a:solidFill>
+                          <a:latin typeface="+mn-lt"/>
+                          <a:ea typeface="+mn-ea"/>
+                          <a:cs typeface="+mn-cs"/>
+                          <a:sym typeface="Arial"/>
+                        </a:rPr>
+                        <a:t>+</a:t>
+                      </a:r>
+                      <a:r>
+                        <a:rPr lang="uk-UA" sz="1400" b="0" i="0" u="none" strike="noStrike" cap="none" dirty="0" smtClean="0">
+                          <a:solidFill>
+                            <a:schemeClr val="tx1"/>
+                          </a:solidFill>
+                          <a:latin typeface="+mn-lt"/>
+                          <a:ea typeface="+mn-ea"/>
+                          <a:cs typeface="+mn-cs"/>
+                          <a:sym typeface="Arial"/>
+                        </a:rPr>
+                        <a:t>-</a:t>
+                      </a:r>
+                      <a:r>
+                        <a:rPr lang="uk-UA" sz="1400" b="0" i="1" u="none" strike="noStrike" cap="none" dirty="0" smtClean="0">
+                          <a:solidFill>
+                            <a:schemeClr val="tx1"/>
+                          </a:solidFill>
+                          <a:latin typeface="+mn-lt"/>
+                          <a:ea typeface="+mn-ea"/>
+                          <a:cs typeface="+mn-cs"/>
+                          <a:sym typeface="Arial"/>
+                        </a:rPr>
+                        <a:t>p</a:t>
+                      </a:r>
+                      <a:r>
+                        <a:rPr lang="uk-UA" sz="1400" b="0" i="0" u="none" strike="noStrike" cap="none" dirty="0" smtClean="0">
+                          <a:solidFill>
+                            <a:schemeClr val="tx1"/>
+                          </a:solidFill>
+                          <a:latin typeface="+mn-lt"/>
+                          <a:ea typeface="+mn-ea"/>
+                          <a:cs typeface="+mn-cs"/>
+                          <a:sym typeface="Arial"/>
+                        </a:rPr>
+                        <a:t>-</a:t>
+                      </a:r>
+                      <a:r>
+                        <a:rPr lang="uk-UA" sz="1400" b="0" i="1" u="none" strike="noStrike" cap="none" dirty="0" smtClean="0">
+                          <a:solidFill>
+                            <a:schemeClr val="tx1"/>
+                          </a:solidFill>
+                          <a:latin typeface="+mn-lt"/>
+                          <a:ea typeface="+mn-ea"/>
+                          <a:cs typeface="+mn-cs"/>
+                          <a:sym typeface="Arial"/>
+                        </a:rPr>
+                        <a:t>p</a:t>
+                      </a:r>
+                      <a:r>
+                        <a:rPr lang="uk-UA" sz="1400" b="0" i="0" u="none" strike="noStrike" cap="none" baseline="30000" dirty="0" smtClean="0">
+                          <a:solidFill>
+                            <a:schemeClr val="tx1"/>
+                          </a:solidFill>
+                          <a:latin typeface="+mn-lt"/>
+                          <a:ea typeface="+mn-ea"/>
+                          <a:cs typeface="+mn-cs"/>
+                          <a:sym typeface="Arial"/>
+                        </a:rPr>
+                        <a:t>+</a:t>
+                      </a:r>
+                      <a:r>
+                        <a:rPr lang="uk-UA" sz="1400" b="0" i="0" u="none" strike="noStrike" cap="none" dirty="0" smtClean="0">
+                          <a:solidFill>
+                            <a:schemeClr val="tx1"/>
+                          </a:solidFill>
+                          <a:latin typeface="+mn-lt"/>
+                          <a:ea typeface="+mn-ea"/>
+                          <a:cs typeface="+mn-cs"/>
+                          <a:sym typeface="Arial"/>
+                        </a:rPr>
+                        <a:t> структурах</a:t>
+                      </a:r>
+                      <a:endParaRPr lang="uk-UA" sz="1600" kern="1200" noProof="0" dirty="0">
+                        <a:solidFill>
+                          <a:schemeClr val="tx1"/>
+                        </a:solidFill>
+                        <a:effectLst/>
+                        <a:latin typeface="+mn-lt"/>
+                        <a:ea typeface="+mn-ea"/>
+                        <a:cs typeface="+mn-cs"/>
+                      </a:endParaRPr>
                     </a:p>
                   </a:txBody>
                   <a:tcPr marL="97522" marR="97522" marT="58898" marB="58898">
@@ -8056,7 +8594,7 @@
                 </a:tc>
                 <a:extLst>
                   <a:ext uri="{0D108BD9-81ED-4DB2-BD59-A6C34878D82A}">
-                    <a16:rowId xmlns:a16="http://schemas.microsoft.com/office/drawing/2014/main" val="10001"/>
+                    <a16:rowId xmlns:a16="http://schemas.microsoft.com/office/drawing/2014/main" xmlns="" val="10001"/>
                   </a:ext>
                 </a:extLst>
               </a:tr>
@@ -8145,14 +8683,14 @@
           <a:effectLst/>
           <a:extLst>
             <a:ext uri="{909E8E84-426E-40DD-AFC4-6F175D3DCCD1}">
-              <a14:hiddenFill xmlns:a14="http://schemas.microsoft.com/office/drawing/2010/main">
+              <a14:hiddenFill xmlns:a14="http://schemas.microsoft.com/office/drawing/2010/main" xmlns="">
                 <a:solidFill>
                   <a:schemeClr val="bg1"/>
                 </a:solidFill>
               </a14:hiddenFill>
             </a:ext>
             <a:ext uri="{91240B29-F687-4F45-9708-019B960494DF}">
-              <a14:hiddenLine xmlns:a14="http://schemas.microsoft.com/office/drawing/2010/main" w="9525" algn="ctr">
+              <a14:hiddenLine xmlns:a14="http://schemas.microsoft.com/office/drawing/2010/main" xmlns="" w="9525" algn="ctr">
                 <a:solidFill>
                   <a:schemeClr val="tx1"/>
                 </a:solidFill>
@@ -8162,7 +8700,7 @@
               </a14:hiddenLine>
             </a:ext>
             <a:ext uri="{AF507438-7753-43E0-B8FC-AC1667EBCBE1}">
-              <a14:hiddenEffects xmlns:a14="http://schemas.microsoft.com/office/drawing/2010/main">
+              <a14:hiddenEffects xmlns:a14="http://schemas.microsoft.com/office/drawing/2010/main" xmlns="">
                 <a:effectLst>
                   <a:outerShdw dist="35921" dir="2700000" algn="ctr" rotWithShape="0">
                     <a:schemeClr val="bg2"/>
@@ -8454,7 +8992,7 @@
           <p:cNvPr id="12" name="Таблица 11">
             <a:extLst>
               <a:ext uri="{FF2B5EF4-FFF2-40B4-BE49-F238E27FC236}">
-                <a16:creationId xmlns:a16="http://schemas.microsoft.com/office/drawing/2014/main" id="{D79B98E0-4D94-48CE-8A6E-A8E446C48577}"/>
+                <a16:creationId xmlns:a16="http://schemas.microsoft.com/office/drawing/2014/main" xmlns="" id="{D79B98E0-4D94-48CE-8A6E-A8E446C48577}"/>
               </a:ext>
             </a:extLst>
           </p:cNvPr>
@@ -8464,7 +9002,7 @@
           <p:nvPr>
             <p:extLst>
               <p:ext uri="{D42A27DB-BD31-4B8C-83A1-F6EECF244321}">
-                <p14:modId xmlns:p14="http://schemas.microsoft.com/office/powerpoint/2010/main" val="1150757128"/>
+                <p14:modId xmlns:p14="http://schemas.microsoft.com/office/powerpoint/2010/main" xmlns="" val="1150757128"/>
               </p:ext>
             </p:extLst>
           </p:nvPr>
@@ -8483,14 +9021,14 @@
                 <a:gridCol w="1813344">
                   <a:extLst>
                     <a:ext uri="{9D8B030D-6E8A-4147-A177-3AD203B41FA5}">
-                      <a16:colId xmlns:a16="http://schemas.microsoft.com/office/drawing/2014/main" val="2489134777"/>
+                      <a16:colId xmlns:a16="http://schemas.microsoft.com/office/drawing/2014/main" xmlns="" val="2489134777"/>
                     </a:ext>
                   </a:extLst>
                 </a:gridCol>
                 <a:gridCol w="1600982">
                   <a:extLst>
                     <a:ext uri="{9D8B030D-6E8A-4147-A177-3AD203B41FA5}">
-                      <a16:colId xmlns:a16="http://schemas.microsoft.com/office/drawing/2014/main" val="2104113695"/>
+                      <a16:colId xmlns:a16="http://schemas.microsoft.com/office/drawing/2014/main" xmlns="" val="2104113695"/>
                     </a:ext>
                   </a:extLst>
                 </a:gridCol>
@@ -8574,7 +9112,7 @@
                 </a:tc>
                 <a:extLst>
                   <a:ext uri="{0D108BD9-81ED-4DB2-BD59-A6C34878D82A}">
-                    <a16:rowId xmlns:a16="http://schemas.microsoft.com/office/drawing/2014/main" val="1081326562"/>
+                    <a16:rowId xmlns:a16="http://schemas.microsoft.com/office/drawing/2014/main" xmlns="" val="1081326562"/>
                   </a:ext>
                 </a:extLst>
               </a:tr>
@@ -8654,7 +9192,7 @@
                 </a:tc>
                 <a:extLst>
                   <a:ext uri="{0D108BD9-81ED-4DB2-BD59-A6C34878D82A}">
-                    <a16:rowId xmlns:a16="http://schemas.microsoft.com/office/drawing/2014/main" val="1563892965"/>
+                    <a16:rowId xmlns:a16="http://schemas.microsoft.com/office/drawing/2014/main" xmlns="" val="1563892965"/>
                   </a:ext>
                 </a:extLst>
               </a:tr>
@@ -8766,7 +9304,7 @@
                 </a:tc>
                 <a:extLst>
                   <a:ext uri="{0D108BD9-81ED-4DB2-BD59-A6C34878D82A}">
-                    <a16:rowId xmlns:a16="http://schemas.microsoft.com/office/drawing/2014/main" val="2895702754"/>
+                    <a16:rowId xmlns:a16="http://schemas.microsoft.com/office/drawing/2014/main" xmlns="" val="2895702754"/>
                   </a:ext>
                 </a:extLst>
               </a:tr>
@@ -8844,7 +9382,7 @@
                 </a:tc>
                 <a:extLst>
                   <a:ext uri="{0D108BD9-81ED-4DB2-BD59-A6C34878D82A}">
-                    <a16:rowId xmlns:a16="http://schemas.microsoft.com/office/drawing/2014/main" val="1728994095"/>
+                    <a16:rowId xmlns:a16="http://schemas.microsoft.com/office/drawing/2014/main" xmlns="" val="1728994095"/>
                   </a:ext>
                 </a:extLst>
               </a:tr>
@@ -8855,7 +9393,7 @@
     </p:spTree>
     <p:extLst>
       <p:ext uri="{BB962C8B-B14F-4D97-AF65-F5344CB8AC3E}">
-        <p14:creationId xmlns:p14="http://schemas.microsoft.com/office/powerpoint/2010/main" val="483504984"/>
+        <p14:creationId xmlns:p14="http://schemas.microsoft.com/office/powerpoint/2010/main" xmlns="" val="483504984"/>
       </p:ext>
     </p:extLst>
   </p:cSld>
